--- a/Spring boot microservice architecture.pptx
+++ b/Spring boot microservice architecture.pptx
@@ -244,7 +244,7 @@
           <a:p>
             <a:fld id="{DD177F0D-6292-4029-B827-E05FCA3A51EA}" type="datetimeFigureOut">
               <a:rPr lang="en-US" smtClean="0"/>
-              <a:t>5/4/2024</a:t>
+              <a:t>5/6/2024</a:t>
             </a:fld>
             <a:endParaRPr lang="en-US"/>
           </a:p>
@@ -414,7 +414,7 @@
           <a:p>
             <a:fld id="{DD177F0D-6292-4029-B827-E05FCA3A51EA}" type="datetimeFigureOut">
               <a:rPr lang="en-US" smtClean="0"/>
-              <a:t>5/4/2024</a:t>
+              <a:t>5/6/2024</a:t>
             </a:fld>
             <a:endParaRPr lang="en-US"/>
           </a:p>
@@ -594,7 +594,7 @@
           <a:p>
             <a:fld id="{DD177F0D-6292-4029-B827-E05FCA3A51EA}" type="datetimeFigureOut">
               <a:rPr lang="en-US" smtClean="0"/>
-              <a:t>5/4/2024</a:t>
+              <a:t>5/6/2024</a:t>
             </a:fld>
             <a:endParaRPr lang="en-US"/>
           </a:p>
@@ -764,7 +764,7 @@
           <a:p>
             <a:fld id="{DD177F0D-6292-4029-B827-E05FCA3A51EA}" type="datetimeFigureOut">
               <a:rPr lang="en-US" smtClean="0"/>
-              <a:t>5/4/2024</a:t>
+              <a:t>5/6/2024</a:t>
             </a:fld>
             <a:endParaRPr lang="en-US"/>
           </a:p>
@@ -1010,7 +1010,7 @@
           <a:p>
             <a:fld id="{DD177F0D-6292-4029-B827-E05FCA3A51EA}" type="datetimeFigureOut">
               <a:rPr lang="en-US" smtClean="0"/>
-              <a:t>5/4/2024</a:t>
+              <a:t>5/6/2024</a:t>
             </a:fld>
             <a:endParaRPr lang="en-US"/>
           </a:p>
@@ -1242,7 +1242,7 @@
           <a:p>
             <a:fld id="{DD177F0D-6292-4029-B827-E05FCA3A51EA}" type="datetimeFigureOut">
               <a:rPr lang="en-US" smtClean="0"/>
-              <a:t>5/4/2024</a:t>
+              <a:t>5/6/2024</a:t>
             </a:fld>
             <a:endParaRPr lang="en-US"/>
           </a:p>
@@ -1609,7 +1609,7 @@
           <a:p>
             <a:fld id="{DD177F0D-6292-4029-B827-E05FCA3A51EA}" type="datetimeFigureOut">
               <a:rPr lang="en-US" smtClean="0"/>
-              <a:t>5/4/2024</a:t>
+              <a:t>5/6/2024</a:t>
             </a:fld>
             <a:endParaRPr lang="en-US"/>
           </a:p>
@@ -1727,7 +1727,7 @@
           <a:p>
             <a:fld id="{DD177F0D-6292-4029-B827-E05FCA3A51EA}" type="datetimeFigureOut">
               <a:rPr lang="en-US" smtClean="0"/>
-              <a:t>5/4/2024</a:t>
+              <a:t>5/6/2024</a:t>
             </a:fld>
             <a:endParaRPr lang="en-US"/>
           </a:p>
@@ -1822,7 +1822,7 @@
           <a:p>
             <a:fld id="{DD177F0D-6292-4029-B827-E05FCA3A51EA}" type="datetimeFigureOut">
               <a:rPr lang="en-US" smtClean="0"/>
-              <a:t>5/4/2024</a:t>
+              <a:t>5/6/2024</a:t>
             </a:fld>
             <a:endParaRPr lang="en-US"/>
           </a:p>
@@ -2099,7 +2099,7 @@
           <a:p>
             <a:fld id="{DD177F0D-6292-4029-B827-E05FCA3A51EA}" type="datetimeFigureOut">
               <a:rPr lang="en-US" smtClean="0"/>
-              <a:t>5/4/2024</a:t>
+              <a:t>5/6/2024</a:t>
             </a:fld>
             <a:endParaRPr lang="en-US"/>
           </a:p>
@@ -2352,7 +2352,7 @@
           <a:p>
             <a:fld id="{DD177F0D-6292-4029-B827-E05FCA3A51EA}" type="datetimeFigureOut">
               <a:rPr lang="en-US" smtClean="0"/>
-              <a:t>5/4/2024</a:t>
+              <a:t>5/6/2024</a:t>
             </a:fld>
             <a:endParaRPr lang="en-US"/>
           </a:p>
@@ -2565,7 +2565,7 @@
           <a:p>
             <a:fld id="{DD177F0D-6292-4029-B827-E05FCA3A51EA}" type="datetimeFigureOut">
               <a:rPr lang="en-US" smtClean="0"/>
-              <a:t>5/4/2024</a:t>
+              <a:t>5/6/2024</a:t>
             </a:fld>
             <a:endParaRPr lang="en-US"/>
           </a:p>
@@ -4145,7 +4145,26 @@
             </a:r>
             <a:r>
               <a:rPr lang="en-US" dirty="0"/>
-              <a:t> run --</a:t>
+              <a:t> pull </a:t>
+            </a:r>
+            <a:r>
+              <a:rPr lang="en-US" dirty="0" smtClean="0"/>
+              <a:t>rabbitmq:3.13.2</a:t>
+            </a:r>
+            <a:endParaRPr lang="en-US" dirty="0"/>
+          </a:p>
+          <a:p>
+            <a:r>
+              <a:rPr lang="en-US" dirty="0" err="1" smtClean="0"/>
+              <a:t>docker</a:t>
+            </a:r>
+            <a:r>
+              <a:rPr lang="en-US" dirty="0" smtClean="0"/>
+              <a:t> </a:t>
+            </a:r>
+            <a:r>
+              <a:rPr lang="en-US" dirty="0"/>
+              <a:t>run --</a:t>
             </a:r>
             <a:r>
               <a:rPr lang="en-US" dirty="0" err="1"/>
